--- a/Final year project_Wind energy.pptx
+++ b/Final year project_Wind energy.pptx
@@ -5,7 +5,7 @@
     <p:sldMasterId id="2147483915" r:id="rId1"/>
   </p:sldMasterIdLst>
   <p:notesMasterIdLst>
-    <p:notesMasterId r:id="rId16"/>
+    <p:notesMasterId r:id="rId17"/>
   </p:notesMasterIdLst>
   <p:sldIdLst>
     <p:sldId id="256" r:id="rId2"/>
@@ -21,7 +21,8 @@
     <p:sldId id="266" r:id="rId12"/>
     <p:sldId id="260" r:id="rId13"/>
     <p:sldId id="261" r:id="rId14"/>
-    <p:sldId id="265" r:id="rId15"/>
+    <p:sldId id="271" r:id="rId15"/>
+    <p:sldId id="265" r:id="rId16"/>
   </p:sldIdLst>
   <p:sldSz cx="12192000" cy="6858000"/>
   <p:notesSz cx="6858000" cy="9144000"/>
@@ -131,7 +132,7 @@
 <file path=ppt/revisionInfo.xml><?xml version="1.0" encoding="utf-8"?>
 <p1510:revInfo xmlns:a="http://schemas.openxmlformats.org/drawingml/2006/main" xmlns:r="http://schemas.openxmlformats.org/officeDocument/2006/relationships" xmlns:p1510="http://schemas.microsoft.com/office/powerpoint/2015/10/main">
   <p1510:revLst>
-    <p1510:client id="{3F56307F-8723-4263-A68C-92983377845D}" v="26" dt="2024-12-05T17:20:28.036"/>
+    <p1510:client id="{3F56307F-8723-4263-A68C-92983377845D}" v="28" dt="2024-12-05T17:43:56.357"/>
   </p1510:revLst>
 </p1510:revInfo>
 </file>
@@ -141,7 +142,7 @@
   <pc:docChgLst>
     <pc:chgData name="DIPSIKHA BHAUMIK" userId="49198f87a3d4368d" providerId="LiveId" clId="{3F56307F-8723-4263-A68C-92983377845D}"/>
     <pc:docChg chg="undo custSel addSld delSld modSld sldOrd">
-      <pc:chgData name="DIPSIKHA BHAUMIK" userId="49198f87a3d4368d" providerId="LiveId" clId="{3F56307F-8723-4263-A68C-92983377845D}" dt="2024-12-05T17:20:54.835" v="854" actId="14100"/>
+      <pc:chgData name="DIPSIKHA BHAUMIK" userId="49198f87a3d4368d" providerId="LiveId" clId="{3F56307F-8723-4263-A68C-92983377845D}" dt="2024-12-05T17:49:17.793" v="965" actId="1076"/>
       <pc:docMkLst>
         <pc:docMk/>
       </pc:docMkLst>
@@ -253,13 +254,13 @@
         </pc:spChg>
       </pc:sldChg>
       <pc:sldChg chg="modSp mod">
-        <pc:chgData name="DIPSIKHA BHAUMIK" userId="49198f87a3d4368d" providerId="LiveId" clId="{3F56307F-8723-4263-A68C-92983377845D}" dt="2024-12-05T15:28:01.030" v="773" actId="1076"/>
+        <pc:chgData name="DIPSIKHA BHAUMIK" userId="49198f87a3d4368d" providerId="LiveId" clId="{3F56307F-8723-4263-A68C-92983377845D}" dt="2024-12-05T17:49:06.510" v="963" actId="1076"/>
         <pc:sldMkLst>
           <pc:docMk/>
           <pc:sldMk cId="2865790424" sldId="261"/>
         </pc:sldMkLst>
         <pc:spChg chg="mod">
-          <ac:chgData name="DIPSIKHA BHAUMIK" userId="49198f87a3d4368d" providerId="LiveId" clId="{3F56307F-8723-4263-A68C-92983377845D}" dt="2024-12-05T15:27:57.567" v="772" actId="255"/>
+          <ac:chgData name="DIPSIKHA BHAUMIK" userId="49198f87a3d4368d" providerId="LiveId" clId="{3F56307F-8723-4263-A68C-92983377845D}" dt="2024-12-05T17:49:06.510" v="963" actId="1076"/>
           <ac:spMkLst>
             <pc:docMk/>
             <pc:sldMk cId="2865790424" sldId="261"/>
@@ -267,7 +268,7 @@
           </ac:spMkLst>
         </pc:spChg>
         <pc:spChg chg="mod">
-          <ac:chgData name="DIPSIKHA BHAUMIK" userId="49198f87a3d4368d" providerId="LiveId" clId="{3F56307F-8723-4263-A68C-92983377845D}" dt="2024-12-05T15:28:01.030" v="773" actId="1076"/>
+          <ac:chgData name="DIPSIKHA BHAUMIK" userId="49198f87a3d4368d" providerId="LiveId" clId="{3F56307F-8723-4263-A68C-92983377845D}" dt="2024-12-05T17:49:02.287" v="962" actId="1076"/>
           <ac:spMkLst>
             <pc:docMk/>
             <pc:sldMk cId="2865790424" sldId="261"/>
@@ -554,6 +555,36 @@
           </ac:picMkLst>
         </pc:picChg>
       </pc:sldChg>
+      <pc:sldChg chg="new del">
+        <pc:chgData name="DIPSIKHA BHAUMIK" userId="49198f87a3d4368d" providerId="LiveId" clId="{3F56307F-8723-4263-A68C-92983377845D}" dt="2024-12-05T17:46:54.457" v="937" actId="47"/>
+        <pc:sldMkLst>
+          <pc:docMk/>
+          <pc:sldMk cId="1500824742" sldId="271"/>
+        </pc:sldMkLst>
+      </pc:sldChg>
+      <pc:sldChg chg="modSp add mod">
+        <pc:chgData name="DIPSIKHA BHAUMIK" userId="49198f87a3d4368d" providerId="LiveId" clId="{3F56307F-8723-4263-A68C-92983377845D}" dt="2024-12-05T17:49:17.793" v="965" actId="1076"/>
+        <pc:sldMkLst>
+          <pc:docMk/>
+          <pc:sldMk cId="2399290019" sldId="271"/>
+        </pc:sldMkLst>
+        <pc:spChg chg="mod">
+          <ac:chgData name="DIPSIKHA BHAUMIK" userId="49198f87a3d4368d" providerId="LiveId" clId="{3F56307F-8723-4263-A68C-92983377845D}" dt="2024-12-05T17:49:17.793" v="965" actId="1076"/>
+          <ac:spMkLst>
+            <pc:docMk/>
+            <pc:sldMk cId="2399290019" sldId="271"/>
+            <ac:spMk id="2" creationId="{4703CF26-958C-FBC1-F9C0-0588F30D7315}"/>
+          </ac:spMkLst>
+        </pc:spChg>
+        <pc:spChg chg="mod">
+          <ac:chgData name="DIPSIKHA BHAUMIK" userId="49198f87a3d4368d" providerId="LiveId" clId="{3F56307F-8723-4263-A68C-92983377845D}" dt="2024-12-05T17:49:11.990" v="964" actId="1076"/>
+          <ac:spMkLst>
+            <pc:docMk/>
+            <pc:sldMk cId="2399290019" sldId="271"/>
+            <ac:spMk id="3" creationId="{3A6F3088-5B8A-94D8-A129-731D4A365016}"/>
+          </ac:spMkLst>
+        </pc:spChg>
+      </pc:sldChg>
     </pc:docChg>
   </pc:docChgLst>
 </pc:chgInfo>
@@ -984,6 +1015,90 @@
     <p:extLst>
       <p:ext uri="{BB962C8B-B14F-4D97-AF65-F5344CB8AC3E}">
         <p14:creationId xmlns:p14="http://schemas.microsoft.com/office/powerpoint/2010/main" val="1224539108"/>
+      </p:ext>
+    </p:extLst>
+  </p:cSld>
+  <p:clrMapOvr>
+    <a:masterClrMapping/>
+  </p:clrMapOvr>
+</p:notes>
+</file>
+
+<file path=ppt/notesSlides/notesSlide2.xml><?xml version="1.0" encoding="utf-8"?>
+<p:notes xmlns:a="http://schemas.openxmlformats.org/drawingml/2006/main" xmlns:r="http://schemas.openxmlformats.org/officeDocument/2006/relationships" xmlns:p="http://schemas.openxmlformats.org/presentationml/2006/main">
+  <p:cSld>
+    <p:spTree>
+      <p:nvGrpSpPr>
+        <p:cNvPr id="1" name=""/>
+        <p:cNvGrpSpPr/>
+        <p:nvPr/>
+      </p:nvGrpSpPr>
+      <p:grpSpPr>
+        <a:xfrm>
+          <a:off x="0" y="0"/>
+          <a:ext cx="0" cy="0"/>
+          <a:chOff x="0" y="0"/>
+          <a:chExt cx="0" cy="0"/>
+        </a:xfrm>
+      </p:grpSpPr>
+      <p:sp>
+        <p:nvSpPr>
+          <p:cNvPr id="2" name="Slide Image Placeholder 1"/>
+          <p:cNvSpPr>
+            <a:spLocks noGrp="1" noRot="1" noChangeAspect="1"/>
+          </p:cNvSpPr>
+          <p:nvPr>
+            <p:ph type="sldImg"/>
+          </p:nvPr>
+        </p:nvSpPr>
+        <p:spPr/>
+      </p:sp>
+      <p:sp>
+        <p:nvSpPr>
+          <p:cNvPr id="3" name="Notes Placeholder 2"/>
+          <p:cNvSpPr>
+            <a:spLocks noGrp="1"/>
+          </p:cNvSpPr>
+          <p:nvPr>
+            <p:ph type="body" idx="1"/>
+          </p:nvPr>
+        </p:nvSpPr>
+        <p:spPr/>
+        <p:txBody>
+          <a:bodyPr/>
+          <a:lstStyle/>
+          <a:p>
+            <a:endParaRPr lang="en-IN" dirty="0"/>
+          </a:p>
+        </p:txBody>
+      </p:sp>
+      <p:sp>
+        <p:nvSpPr>
+          <p:cNvPr id="4" name="Slide Number Placeholder 3"/>
+          <p:cNvSpPr>
+            <a:spLocks noGrp="1"/>
+          </p:cNvSpPr>
+          <p:nvPr>
+            <p:ph type="sldNum" sz="quarter" idx="5"/>
+          </p:nvPr>
+        </p:nvSpPr>
+        <p:spPr/>
+        <p:txBody>
+          <a:bodyPr/>
+          <a:lstStyle/>
+          <a:p>
+            <a:fld id="{B1F2A105-E1D3-410A-8536-B0007590F17D}" type="slidenum">
+              <a:rPr lang="en-IN" smtClean="0"/>
+              <a:t>14</a:t>
+            </a:fld>
+            <a:endParaRPr lang="en-IN"/>
+          </a:p>
+        </p:txBody>
+      </p:sp>
+    </p:spTree>
+    <p:extLst>
+      <p:ext uri="{BB962C8B-B14F-4D97-AF65-F5344CB8AC3E}">
+        <p14:creationId xmlns:p14="http://schemas.microsoft.com/office/powerpoint/2010/main" val="373771919"/>
       </p:ext>
     </p:extLst>
   </p:cSld>
@@ -7937,7 +8052,7 @@
         </p:nvSpPr>
         <p:spPr>
           <a:xfrm>
-            <a:off x="323860" y="759911"/>
+            <a:off x="323861" y="175408"/>
             <a:ext cx="10353761" cy="1326321"/>
           </a:xfrm>
         </p:spPr>
@@ -7982,13 +8097,13 @@
         </p:nvSpPr>
         <p:spPr>
           <a:xfrm>
-            <a:off x="323860" y="2058824"/>
-            <a:ext cx="11681327" cy="4039265"/>
+            <a:off x="323861" y="1672895"/>
+            <a:ext cx="11101223" cy="4482098"/>
           </a:xfrm>
         </p:spPr>
         <p:txBody>
           <a:bodyPr>
-            <a:normAutofit/>
+            <a:noAutofit/>
           </a:bodyPr>
           <a:lstStyle/>
           <a:p>
@@ -7996,39 +8111,39 @@
               <a:buNone/>
             </a:pPr>
             <a:r>
-              <a:rPr lang="en-IN" sz="1700" dirty="0"/>
+              <a:rPr lang="en-IN" sz="1800" dirty="0"/>
               <a:t>[1] Chuan Huang; </a:t>
             </a:r>
             <a:r>
-              <a:rPr lang="en-IN" sz="1700" dirty="0" err="1"/>
+              <a:rPr lang="en-IN" sz="1800" dirty="0" err="1"/>
               <a:t>Changjian</a:t>
             </a:r>
             <a:r>
-              <a:rPr lang="en-IN" sz="1700" dirty="0"/>
+              <a:rPr lang="en-IN" sz="1800" dirty="0"/>
               <a:t> Liu; Ming Zhong; </a:t>
             </a:r>
             <a:r>
-              <a:rPr lang="en-IN" sz="1700" dirty="0" err="1"/>
+              <a:rPr lang="en-IN" sz="1800" dirty="0" err="1"/>
               <a:t>Hanbing</a:t>
             </a:r>
             <a:r>
-              <a:rPr lang="en-IN" sz="1700" dirty="0"/>
+              <a:rPr lang="en-IN" sz="1800" dirty="0"/>
               <a:t> Sun; </a:t>
             </a:r>
             <a:r>
-              <a:rPr lang="en-IN" sz="1700" dirty="0" err="1"/>
+              <a:rPr lang="en-IN" sz="1800" dirty="0" err="1"/>
               <a:t>Tianhang</a:t>
             </a:r>
             <a:r>
-              <a:rPr lang="en-IN" sz="1700" dirty="0"/>
+              <a:rPr lang="en-IN" sz="1800" dirty="0"/>
               <a:t> </a:t>
             </a:r>
             <a:r>
-              <a:rPr lang="en-IN" sz="1700" dirty="0" err="1"/>
+              <a:rPr lang="en-IN" sz="1800" dirty="0" err="1"/>
               <a:t>Gao;Yonglin</a:t>
             </a:r>
             <a:r>
-              <a:rPr lang="en-IN" sz="1700" dirty="0"/>
+              <a:rPr lang="en-IN" sz="1800" dirty="0"/>
               <a:t> Zhang. Research on Wind Turbine Location and Wind Energy Resource Evaluation Methodology in Port Scenarios. Sustainability 2024, 16, 1074 </a:t>
             </a:r>
           </a:p>
@@ -8037,47 +8152,47 @@
               <a:buNone/>
             </a:pPr>
             <a:r>
-              <a:rPr lang="en-IN" sz="1700" dirty="0"/>
+              <a:rPr lang="en-IN" sz="1800" dirty="0"/>
               <a:t>[2] A </a:t>
             </a:r>
             <a:r>
-              <a:rPr lang="en-IN" sz="1700" dirty="0" err="1"/>
+              <a:rPr lang="en-IN" sz="1800" dirty="0" err="1"/>
               <a:t>ShobanaDevi</a:t>
             </a:r>
             <a:r>
-              <a:rPr lang="en-IN" sz="1700" dirty="0"/>
+              <a:rPr lang="en-IN" sz="1800" dirty="0"/>
               <a:t>,; </a:t>
             </a:r>
             <a:r>
-              <a:rPr lang="en-IN" sz="1700" dirty="0" err="1"/>
+              <a:rPr lang="en-IN" sz="1800" dirty="0" err="1"/>
               <a:t>Dr.G</a:t>
             </a:r>
             <a:r>
-              <a:rPr lang="en-IN" sz="1700" dirty="0"/>
+              <a:rPr lang="en-IN" sz="1800" dirty="0"/>
               <a:t> </a:t>
             </a:r>
             <a:r>
-              <a:rPr lang="en-IN" sz="1700" dirty="0" err="1"/>
+              <a:rPr lang="en-IN" sz="1800" dirty="0" err="1"/>
               <a:t>Maragatham</a:t>
             </a:r>
             <a:r>
-              <a:rPr lang="en-IN" sz="1700" dirty="0"/>
+              <a:rPr lang="en-IN" sz="1800" dirty="0"/>
               <a:t>; MR Prabu; K </a:t>
             </a:r>
             <a:r>
-              <a:rPr lang="en-IN" sz="1700" dirty="0" err="1"/>
+              <a:rPr lang="en-IN" sz="1800" dirty="0" err="1"/>
               <a:t>Boopathi</a:t>
             </a:r>
             <a:r>
-              <a:rPr lang="en-IN" sz="1700" dirty="0"/>
+              <a:rPr lang="en-IN" sz="1800" dirty="0"/>
               <a:t>. Short-Term Wind Power Forecasting Using R-LSTM.INTERNATIONAL JOURNAL of RENEWABLE ENERGY RESEARCH A. </a:t>
             </a:r>
             <a:r>
-              <a:rPr lang="en-IN" sz="1700" dirty="0" err="1"/>
+              <a:rPr lang="en-IN" sz="1800" dirty="0" err="1"/>
               <a:t>Shobana</a:t>
             </a:r>
             <a:r>
-              <a:rPr lang="en-IN" sz="1700" dirty="0"/>
+              <a:rPr lang="en-IN" sz="1800" dirty="0"/>
               <a:t> Devi et al., Vol.11, No.1, March, 2021. </a:t>
             </a:r>
           </a:p>
@@ -8086,7 +8201,7 @@
               <a:buNone/>
             </a:pPr>
             <a:r>
-              <a:rPr lang="en-IN" sz="1700" dirty="0"/>
+              <a:rPr lang="en-IN" sz="1800" dirty="0"/>
               <a:t>[3] TIFF- https://mppolytechnic.ac.in/mpstaff/notes_upload_photo/CS672TIFF. pdf</a:t>
             </a:r>
           </a:p>
@@ -8095,11 +8210,11 @@
               <a:buNone/>
             </a:pPr>
             <a:r>
-              <a:rPr lang="en-IN" sz="1700" dirty="0"/>
+              <a:rPr lang="en-IN" sz="1800" dirty="0"/>
               <a:t>[4]</a:t>
             </a:r>
             <a:r>
-              <a:rPr lang="en-IN" sz="1700" dirty="0">
+              <a:rPr lang="en-IN" sz="1800" dirty="0">
                 <a:hlinkClick r:id="rId2">
                   <a:extLst>
                     <a:ext uri="{A12FA001-AC4F-418D-AE19-62706E023703}">
@@ -8110,18 +8225,18 @@
               </a:rPr>
               <a:t>https://www.indiaremotesensing.com/2017/01/download-india-shapefile-with-official.html#google_vignette</a:t>
             </a:r>
-            <a:endParaRPr lang="en-IN" sz="1700" dirty="0"/>
+            <a:endParaRPr lang="en-IN" sz="1800" dirty="0"/>
           </a:p>
           <a:p>
             <a:pPr marL="0" indent="0" algn="just">
               <a:buNone/>
             </a:pPr>
             <a:r>
-              <a:rPr lang="en-IN" sz="1700" dirty="0"/>
+              <a:rPr lang="en-IN" sz="1800" dirty="0"/>
               <a:t>[5] </a:t>
             </a:r>
             <a:r>
-              <a:rPr lang="en-IN" sz="1700" dirty="0">
+              <a:rPr lang="en-IN" sz="1800" dirty="0">
                 <a:hlinkClick r:id="rId3">
                   <a:extLst>
                     <a:ext uri="{A12FA001-AC4F-418D-AE19-62706E023703}">
@@ -8132,13 +8247,13 @@
               </a:rPr>
               <a:t>https://datacatalog.worldbank.org/search/dataset/0039348</a:t>
             </a:r>
-            <a:endParaRPr lang="en-IN" sz="1700" dirty="0"/>
+            <a:endParaRPr lang="en-IN" sz="1800" dirty="0"/>
           </a:p>
           <a:p>
             <a:pPr marL="0" indent="0">
               <a:buNone/>
             </a:pPr>
-            <a:endParaRPr lang="en-IN" sz="1700" dirty="0"/>
+            <a:endParaRPr lang="en-IN" sz="1500" dirty="0"/>
           </a:p>
         </p:txBody>
       </p:sp>
@@ -8156,6 +8271,196 @@
 </file>
 
 <file path=ppt/slides/slide14.xml><?xml version="1.0" encoding="utf-8"?>
+<p:sld xmlns:a="http://schemas.openxmlformats.org/drawingml/2006/main" xmlns:r="http://schemas.openxmlformats.org/officeDocument/2006/relationships" xmlns:p="http://schemas.openxmlformats.org/presentationml/2006/main">
+  <p:cSld>
+    <p:spTree>
+      <p:nvGrpSpPr>
+        <p:cNvPr id="1" name="">
+          <a:extLst>
+            <a:ext uri="{FF2B5EF4-FFF2-40B4-BE49-F238E27FC236}">
+              <a16:creationId xmlns:a16="http://schemas.microsoft.com/office/drawing/2014/main" id="{129D07C1-CF37-0D68-A0F4-889AAD768F44}"/>
+            </a:ext>
+          </a:extLst>
+        </p:cNvPr>
+        <p:cNvGrpSpPr/>
+        <p:nvPr/>
+      </p:nvGrpSpPr>
+      <p:grpSpPr>
+        <a:xfrm>
+          <a:off x="0" y="0"/>
+          <a:ext cx="0" cy="0"/>
+          <a:chOff x="0" y="0"/>
+          <a:chExt cx="0" cy="0"/>
+        </a:xfrm>
+      </p:grpSpPr>
+      <p:sp>
+        <p:nvSpPr>
+          <p:cNvPr id="2" name="Title 1">
+            <a:extLst>
+              <a:ext uri="{FF2B5EF4-FFF2-40B4-BE49-F238E27FC236}">
+                <a16:creationId xmlns:a16="http://schemas.microsoft.com/office/drawing/2014/main" id="{4703CF26-958C-FBC1-F9C0-0588F30D7315}"/>
+              </a:ext>
+            </a:extLst>
+          </p:cNvPr>
+          <p:cNvSpPr>
+            <a:spLocks noGrp="1"/>
+          </p:cNvSpPr>
+          <p:nvPr>
+            <p:ph type="title"/>
+          </p:nvPr>
+        </p:nvSpPr>
+        <p:spPr>
+          <a:xfrm>
+            <a:off x="392687" y="137652"/>
+            <a:ext cx="10353761" cy="1326321"/>
+          </a:xfrm>
+        </p:spPr>
+        <p:txBody>
+          <a:bodyPr>
+            <a:normAutofit/>
+          </a:bodyPr>
+          <a:lstStyle/>
+          <a:p>
+            <a:pPr algn="l"/>
+            <a:r>
+              <a:rPr lang="en-US" sz="3600" dirty="0">
+                <a:solidFill>
+                  <a:srgbClr val="FFFF99"/>
+                </a:solidFill>
+              </a:rPr>
+              <a:t>REFERENCES</a:t>
+            </a:r>
+            <a:endParaRPr lang="en-IN" sz="3600" dirty="0">
+              <a:solidFill>
+                <a:srgbClr val="FFFF99"/>
+              </a:solidFill>
+            </a:endParaRPr>
+          </a:p>
+        </p:txBody>
+      </p:sp>
+      <p:sp>
+        <p:nvSpPr>
+          <p:cNvPr id="3" name="Content Placeholder 2">
+            <a:extLst>
+              <a:ext uri="{FF2B5EF4-FFF2-40B4-BE49-F238E27FC236}">
+                <a16:creationId xmlns:a16="http://schemas.microsoft.com/office/drawing/2014/main" id="{3A6F3088-5B8A-94D8-A129-731D4A365016}"/>
+              </a:ext>
+            </a:extLst>
+          </p:cNvPr>
+          <p:cNvSpPr>
+            <a:spLocks noGrp="1"/>
+          </p:cNvSpPr>
+          <p:nvPr>
+            <p:ph idx="1"/>
+          </p:nvPr>
+        </p:nvSpPr>
+        <p:spPr>
+          <a:xfrm>
+            <a:off x="304498" y="1326321"/>
+            <a:ext cx="11583004" cy="4863804"/>
+          </a:xfrm>
+        </p:spPr>
+        <p:txBody>
+          <a:bodyPr>
+            <a:noAutofit/>
+          </a:bodyPr>
+          <a:lstStyle/>
+          <a:p>
+            <a:pPr marL="0" indent="0" algn="just">
+              <a:buNone/>
+            </a:pPr>
+            <a:r>
+              <a:rPr lang="en-IN" sz="1800" dirty="0"/>
+              <a:t>[6] Vishal Maurya; Sushant Khare; </a:t>
+            </a:r>
+            <a:r>
+              <a:rPr lang="en-IN" sz="1800" dirty="0" err="1"/>
+              <a:t>Shrish</a:t>
+            </a:r>
+            <a:r>
+              <a:rPr lang="en-IN" sz="1800" dirty="0"/>
+              <a:t> </a:t>
+            </a:r>
+            <a:r>
+              <a:rPr lang="en-IN" sz="1800" dirty="0" err="1"/>
+              <a:t>Bajpai.Future</a:t>
+            </a:r>
+            <a:r>
+              <a:rPr lang="en-IN" sz="1800" dirty="0"/>
+              <a:t> Scope of Wind Energy in India. IOSR Journal of Electrical and Electronics Engineering (IOSR-JEEE) e-ISSN: 2278-1676,p-ISSN: 2320-3331, Volume 10, Issue 1 Ver. II (Jan – Feb. 2015), PP 79-83 www.iosrjournals.org DOI: 10.9790/1676-10127983</a:t>
+            </a:r>
+          </a:p>
+          <a:p>
+            <a:pPr marL="0" indent="0" algn="just">
+              <a:buNone/>
+            </a:pPr>
+            <a:r>
+              <a:rPr lang="en-IN" sz="1800" dirty="0"/>
+              <a:t>[7]https://www.researchgate.net/figure/Activation-function-ReLu-ReLu-Rectified-Linear-Activation_fig2_370465617 </a:t>
+            </a:r>
+          </a:p>
+          <a:p>
+            <a:pPr marL="0" indent="0" algn="just">
+              <a:buNone/>
+            </a:pPr>
+            <a:r>
+              <a:rPr lang="en-IN" sz="1800" dirty="0"/>
+              <a:t>[8]https://levelup.gitconnected.com/understanding-mean-squared-error-a-practical-guide-for-data-scientists 4ec7de03ac0e</a:t>
+            </a:r>
+          </a:p>
+          <a:p>
+            <a:pPr marL="0" indent="0" algn="just">
+              <a:buNone/>
+            </a:pPr>
+            <a:r>
+              <a:rPr lang="en-IN" sz="1800" dirty="0"/>
+              <a:t>[9]</a:t>
+            </a:r>
+            <a:r>
+              <a:rPr lang="en-IN" sz="1800" dirty="0">
+                <a:hlinkClick r:id="rId3">
+                  <a:extLst>
+                    <a:ext uri="{A12FA001-AC4F-418D-AE19-62706E023703}">
+                      <ahyp:hlinkClr xmlns:ahyp="http://schemas.microsoft.com/office/drawing/2018/hyperlinkcolor" val="tx"/>
+                    </a:ext>
+                  </a:extLst>
+                </a:hlinkClick>
+              </a:rPr>
+              <a:t>https://medium.com/@polanitzer/the-minimum-mean-absolute-error-mae-challenge-928dc081f031</a:t>
+            </a:r>
+            <a:endParaRPr lang="en-IN" sz="1800" dirty="0"/>
+          </a:p>
+          <a:p>
+            <a:pPr marL="0" indent="0" algn="just">
+              <a:buNone/>
+            </a:pPr>
+            <a:r>
+              <a:rPr lang="en-IN" sz="1800" dirty="0"/>
+              <a:t>[10]https://www.google.com/url?sa=i&amp;url=https%3A%2F%2Fwww.researchgate.net%2Ffigure%2FSketch-of-a-feed-forward-artificial-neural-network-ANN-with-one-input-layer-two-hidden_fig4_333396589&amp;psig=AOvVaw0t3RsdosI__-L-p2M_c84I&amp;ust=1733506877135000&amp;source=images&amp;cd=vfe&amp;opi=89978449&amp;ved=2ahUKEwiP9qS-lpGKAxWycmwGHRo8HM8QjRx6BAgAEBk</a:t>
+            </a:r>
+          </a:p>
+          <a:p>
+            <a:pPr marL="0" indent="0">
+              <a:buNone/>
+            </a:pPr>
+            <a:endParaRPr lang="en-IN" sz="1500" dirty="0"/>
+          </a:p>
+        </p:txBody>
+      </p:sp>
+    </p:spTree>
+    <p:extLst>
+      <p:ext uri="{BB962C8B-B14F-4D97-AF65-F5344CB8AC3E}">
+        <p14:creationId xmlns:p14="http://schemas.microsoft.com/office/powerpoint/2010/main" val="2399290019"/>
+      </p:ext>
+    </p:extLst>
+  </p:cSld>
+  <p:clrMapOvr>
+    <a:masterClrMapping/>
+  </p:clrMapOvr>
+</p:sld>
+</file>
+
+<file path=ppt/slides/slide15.xml><?xml version="1.0" encoding="utf-8"?>
 <p:sld xmlns:a="http://schemas.openxmlformats.org/drawingml/2006/main" xmlns:r="http://schemas.openxmlformats.org/officeDocument/2006/relationships" xmlns:p="http://schemas.openxmlformats.org/presentationml/2006/main">
   <p:cSld>
     <p:spTree>
